--- a/docs/assets/docs/schema-cycle-de-vie.pptx
+++ b/docs/assets/docs/schema-cycle-de-vie.pptx
@@ -204,7 +204,7 @@
           <a:p>
             <a:fld id="{FA6837BF-BC66-5242-A4C0-DD83D59D57D3}" type="datetimeFigureOut">
               <a:rPr lang="fr-FR" smtClean="0"/>
-              <a:t>11/07/2024</a:t>
+              <a:t>18/07/2024</a:t>
             </a:fld>
             <a:endParaRPr lang="fr-FR"/>
           </a:p>
@@ -9539,7 +9539,7 @@
         </p:nvSpPr>
         <p:spPr>
           <a:xfrm>
-            <a:off x="1949901" y="1363318"/>
+            <a:off x="2337527" y="1363318"/>
             <a:ext cx="1952001" cy="697623"/>
           </a:xfrm>
           <a:prstGeom prst="rect">
@@ -9604,7 +9604,7 @@
         </p:nvSpPr>
         <p:spPr>
           <a:xfrm>
-            <a:off x="125325" y="1421701"/>
+            <a:off x="512951" y="1421701"/>
             <a:ext cx="1461741" cy="381108"/>
           </a:xfrm>
           <a:prstGeom prst="rect">
@@ -9686,7 +9686,7 @@
         </p:nvCxnSpPr>
         <p:spPr>
           <a:xfrm>
-            <a:off x="2925902" y="2060941"/>
+            <a:off x="3313528" y="2060941"/>
             <a:ext cx="0" cy="439502"/>
           </a:xfrm>
           <a:prstGeom prst="straightConnector1">
@@ -9728,7 +9728,7 @@
         </p:nvSpPr>
         <p:spPr>
           <a:xfrm>
-            <a:off x="1949902" y="2500443"/>
+            <a:off x="2337528" y="2500443"/>
             <a:ext cx="1952000" cy="439490"/>
           </a:xfrm>
           <a:prstGeom prst="rect">
@@ -9797,7 +9797,7 @@
         </p:nvCxnSpPr>
         <p:spPr>
           <a:xfrm>
-            <a:off x="2925902" y="2939933"/>
+            <a:off x="3313528" y="2939933"/>
             <a:ext cx="1" cy="804727"/>
           </a:xfrm>
           <a:prstGeom prst="straightConnector1">
@@ -9839,7 +9839,7 @@
         </p:nvSpPr>
         <p:spPr>
           <a:xfrm>
-            <a:off x="1949902" y="3744660"/>
+            <a:off x="2337528" y="3744660"/>
             <a:ext cx="1952001" cy="439490"/>
           </a:xfrm>
           <a:prstGeom prst="rect">
@@ -9938,7 +9938,7 @@
         </p:nvSpPr>
         <p:spPr>
           <a:xfrm>
-            <a:off x="125326" y="3533540"/>
+            <a:off x="512952" y="3533540"/>
             <a:ext cx="1461741" cy="584511"/>
           </a:xfrm>
           <a:prstGeom prst="rect">
@@ -9983,6 +9983,15 @@
               <a:defRPr/>
             </a:pPr>
             <a:r>
+              <a:rPr lang="fr-FR" sz="1500" dirty="0">
+                <a:solidFill>
+                  <a:prstClr val="black"/>
+                </a:solidFill>
+                <a:latin typeface="Arial"/>
+              </a:rPr>
+              <a:t>trial</a:t>
+            </a:r>
+            <a:r>
               <a:rPr kumimoji="0" lang="fr-FR" sz="1500" b="0" i="0" u="none" strike="noStrike" kern="1200" cap="none" spc="0" normalizeH="0" baseline="0" noProof="0" dirty="0">
                 <a:ln>
                   <a:noFill/>
@@ -9997,7 +10006,7 @@
                 <a:ea typeface="+mn-ea"/>
                 <a:cs typeface="+mn-cs"/>
               </a:rPr>
-              <a:t>For-implementation</a:t>
+              <a:t>-implementation</a:t>
             </a:r>
           </a:p>
         </p:txBody>
@@ -10020,7 +10029,7 @@
         </p:nvCxnSpPr>
         <p:spPr>
           <a:xfrm>
-            <a:off x="3901903" y="3964405"/>
+            <a:off x="4289529" y="3964405"/>
             <a:ext cx="824066" cy="0"/>
           </a:xfrm>
           <a:prstGeom prst="straightConnector1">
@@ -10062,7 +10071,7 @@
         </p:nvSpPr>
         <p:spPr>
           <a:xfrm>
-            <a:off x="4725969" y="3744660"/>
+            <a:off x="5113595" y="3744660"/>
             <a:ext cx="1753537" cy="439490"/>
           </a:xfrm>
           <a:prstGeom prst="rect">
@@ -10127,7 +10136,7 @@
         </p:nvSpPr>
         <p:spPr>
           <a:xfrm>
-            <a:off x="83195" y="2397655"/>
+            <a:off x="470821" y="2397655"/>
             <a:ext cx="1503872" cy="584510"/>
           </a:xfrm>
           <a:prstGeom prst="rect">
@@ -10205,7 +10214,7 @@
         </p:nvSpPr>
         <p:spPr>
           <a:xfrm>
-            <a:off x="8080744" y="6127268"/>
+            <a:off x="8468370" y="6127268"/>
             <a:ext cx="2075321" cy="381108"/>
           </a:xfrm>
           <a:prstGeom prst="rect">
@@ -10250,7 +10259,7 @@
               <a:defRPr/>
             </a:pPr>
             <a:r>
-              <a:rPr kumimoji="0" lang="fr-FR" sz="1500" b="0" i="0" u="none" strike="noStrike" kern="1200" cap="none" spc="0" normalizeH="0" baseline="0" noProof="0">
+              <a:rPr kumimoji="0" lang="fr-FR" sz="1500" b="0" i="0" u="none" strike="noStrike" kern="1200" cap="none" spc="0" normalizeH="0" baseline="0" noProof="0" dirty="0">
                 <a:ln>
                   <a:noFill/>
                 </a:ln>
@@ -10264,22 +10273,8 @@
                 <a:ea typeface="+mn-ea"/>
                 <a:cs typeface="+mn-cs"/>
               </a:rPr>
-              <a:t>For-implementation</a:t>
-            </a:r>
-            <a:endParaRPr kumimoji="0" lang="fr-FR" sz="1500" b="0" i="0" u="none" strike="noStrike" kern="1200" cap="none" spc="0" normalizeH="0" baseline="0" noProof="0" dirty="0">
-              <a:ln>
-                <a:noFill/>
-              </a:ln>
-              <a:solidFill>
-                <a:prstClr val="black"/>
-              </a:solidFill>
-              <a:effectLst/>
-              <a:uLnTx/>
-              <a:uFillTx/>
-              <a:latin typeface="Arial"/>
-              <a:ea typeface="+mn-ea"/>
-              <a:cs typeface="+mn-cs"/>
-            </a:endParaRPr>
+              <a:t>Trial-implementation</a:t>
+            </a:r>
           </a:p>
         </p:txBody>
       </p:sp>
@@ -10297,7 +10292,7 @@
         </p:nvSpPr>
         <p:spPr>
           <a:xfrm>
-            <a:off x="6231816" y="6126603"/>
+            <a:off x="6619442" y="6126603"/>
             <a:ext cx="1702905" cy="381108"/>
           </a:xfrm>
           <a:prstGeom prst="rect">
@@ -10375,7 +10370,7 @@
         </p:nvSpPr>
         <p:spPr>
           <a:xfrm>
-            <a:off x="7212650" y="6588807"/>
+            <a:off x="7600276" y="6588807"/>
             <a:ext cx="0" cy="0"/>
           </a:xfrm>
           <a:prstGeom prst="rect">
@@ -10437,7 +10432,7 @@
         </p:nvSpPr>
         <p:spPr>
           <a:xfrm>
-            <a:off x="7052153" y="3594970"/>
+            <a:off x="7439779" y="3594970"/>
             <a:ext cx="0" cy="0"/>
           </a:xfrm>
           <a:prstGeom prst="rect">
@@ -10474,7 +10469,7 @@
         </p:nvSpPr>
         <p:spPr>
           <a:xfrm>
-            <a:off x="7057831" y="3347845"/>
+            <a:off x="7445457" y="3347845"/>
             <a:ext cx="2170038" cy="381108"/>
           </a:xfrm>
           <a:prstGeom prst="rect">
@@ -10552,7 +10547,7 @@
         </p:nvSpPr>
         <p:spPr>
           <a:xfrm>
-            <a:off x="6231816" y="4290681"/>
+            <a:off x="6619442" y="4290681"/>
             <a:ext cx="4214813" cy="1717000"/>
           </a:xfrm>
           <a:prstGeom prst="rect">
@@ -10685,7 +10680,7 @@
                 </a:solidFill>
                 <a:latin typeface="Arial"/>
               </a:rPr>
-              <a:t>Rester à « final-text « ou</a:t>
+              <a:t>Rester à « final-text » ou</a:t>
             </a:r>
           </a:p>
           <a:p>
@@ -10713,7 +10708,7 @@
                 </a:solidFill>
                 <a:latin typeface="Arial"/>
               </a:rPr>
-              <a:t>Retour à « pour implementation » si modification majeure</a:t>
+              <a:t>Retour à « trial-implementation » si modification majeure</a:t>
             </a:r>
           </a:p>
           <a:p>
@@ -10782,7 +10777,7 @@
                 <a:ea typeface="+mn-ea"/>
                 <a:cs typeface="+mn-cs"/>
               </a:rPr>
-              <a:t>Si statut précédent à « pour implémentation » </a:t>
+              <a:t>Si statut précédent à « trial-implementation » </a:t>
             </a:r>
           </a:p>
           <a:p>
@@ -10804,7 +10799,7 @@
               <a:defRPr/>
             </a:pPr>
             <a:r>
-              <a:rPr lang="fr-FR" sz="1200" b="1" dirty="0">
+              <a:rPr lang="fr-FR" sz="1200" dirty="0">
                 <a:solidFill>
                   <a:prstClr val="black"/>
                 </a:solidFill>
@@ -10827,7 +10822,33 @@
                 <a:ea typeface="+mn-ea"/>
                 <a:cs typeface="+mn-cs"/>
               </a:rPr>
-              <a:t>ester à « pour implémentation » ou </a:t>
+              <a:t>ester à « t</a:t>
+            </a:r>
+            <a:r>
+              <a:rPr lang="fr-FR" sz="1200" dirty="0">
+                <a:solidFill>
+                  <a:prstClr val="black"/>
+                </a:solidFill>
+                <a:latin typeface="Arial"/>
+              </a:rPr>
+              <a:t>rial-</a:t>
+            </a:r>
+            <a:r>
+              <a:rPr kumimoji="0" lang="fr-FR" sz="1200" i="0" u="none" strike="noStrike" kern="1200" cap="none" spc="0" normalizeH="0" baseline="0" noProof="0" dirty="0">
+                <a:ln>
+                  <a:noFill/>
+                </a:ln>
+                <a:solidFill>
+                  <a:prstClr val="black"/>
+                </a:solidFill>
+                <a:effectLst/>
+                <a:uLnTx/>
+                <a:uFillTx/>
+                <a:latin typeface="Arial"/>
+                <a:ea typeface="+mn-ea"/>
+                <a:cs typeface="+mn-cs"/>
+              </a:rPr>
+              <a:t>implementation » ou </a:t>
             </a:r>
           </a:p>
           <a:p>
@@ -10914,7 +10935,7 @@
         </p:nvSpPr>
         <p:spPr>
           <a:xfrm>
-            <a:off x="8137321" y="2516697"/>
+            <a:off x="8524947" y="2516697"/>
             <a:ext cx="0" cy="0"/>
           </a:xfrm>
           <a:prstGeom prst="rect">
@@ -10951,7 +10972,7 @@
         </p:nvSpPr>
         <p:spPr>
           <a:xfrm>
-            <a:off x="4792451" y="3283444"/>
+            <a:off x="5180077" y="3283444"/>
             <a:ext cx="824066" cy="381108"/>
           </a:xfrm>
           <a:prstGeom prst="rect">
@@ -11029,7 +11050,7 @@
         </p:nvSpPr>
         <p:spPr>
           <a:xfrm>
-            <a:off x="7057831" y="2448513"/>
+            <a:off x="7445457" y="2448513"/>
             <a:ext cx="2920511" cy="849288"/>
           </a:xfrm>
           <a:prstGeom prst="rect">
@@ -11144,7 +11165,7 @@
         </p:blipFill>
         <p:spPr>
           <a:xfrm>
-            <a:off x="5600673" y="2813102"/>
+            <a:off x="5988299" y="2813102"/>
             <a:ext cx="1702899" cy="1702899"/>
           </a:xfrm>
           <a:prstGeom prst="rect">

--- a/docs/assets/docs/schema-cycle-de-vie.pptx
+++ b/docs/assets/docs/schema-cycle-de-vie.pptx
@@ -9649,7 +9649,7 @@
               <a:defRPr/>
             </a:pPr>
             <a:r>
-              <a:rPr kumimoji="0" lang="fr-FR" sz="1500" b="0" i="0" u="none" strike="noStrike" kern="1200" cap="none" spc="0" normalizeH="0" baseline="0" noProof="0">
+              <a:rPr kumimoji="0" lang="en-AU" sz="1500" b="0" i="0" u="none" strike="noStrike" kern="1200" cap="none" spc="0" normalizeH="0" baseline="0">
                 <a:ln>
                   <a:noFill/>
                 </a:ln>
@@ -9663,7 +9663,24 @@
                 <a:ea typeface="+mn-ea"/>
                 <a:cs typeface="+mn-cs"/>
               </a:rPr>
-              <a:t>Draft</a:t>
+              <a:t>Draft </a:t>
+            </a:r>
+            <a:r>
+              <a:rPr kumimoji="0" lang="en-AU" sz="1000" b="0" i="0" u="none" strike="noStrike" kern="1200" cap="none" spc="0" normalizeH="0" baseline="0">
+                <a:ln>
+                  <a:noFill/>
+                </a:ln>
+                <a:solidFill>
+                  <a:prstClr val="white"/>
+                </a:solidFill>
+                <a:effectLst/>
+                <a:uLnTx/>
+                <a:uFillTx/>
+                <a:latin typeface="Arial"/>
+                <a:ea typeface="+mn-ea"/>
+                <a:cs typeface="+mn-cs"/>
+              </a:rPr>
+              <a:t>(ci-build)</a:t>
             </a:r>
           </a:p>
         </p:txBody>
@@ -10457,84 +10474,6 @@
       </p:sp>
       <p:sp>
         <p:nvSpPr>
-          <p:cNvPr id="69" name="ZoneTexte 68">
-            <a:extLst>
-              <a:ext uri="{FF2B5EF4-FFF2-40B4-BE49-F238E27FC236}">
-                <a16:creationId xmlns:a16="http://schemas.microsoft.com/office/drawing/2014/main" id="{67E07879-1EAD-80A2-85E4-485D13DD9067}"/>
-              </a:ext>
-            </a:extLst>
-          </p:cNvPr>
-          <p:cNvSpPr txBox="1"/>
-          <p:nvPr/>
-        </p:nvSpPr>
-        <p:spPr>
-          <a:xfrm>
-            <a:off x="7445457" y="3347845"/>
-            <a:ext cx="2170038" cy="381108"/>
-          </a:xfrm>
-          <a:prstGeom prst="rect">
-            <a:avLst/>
-          </a:prstGeom>
-        </p:spPr>
-        <p:style>
-          <a:lnRef idx="3">
-            <a:schemeClr val="lt1"/>
-          </a:lnRef>
-          <a:fillRef idx="1">
-            <a:schemeClr val="accent4"/>
-          </a:fillRef>
-          <a:effectRef idx="1">
-            <a:schemeClr val="accent4"/>
-          </a:effectRef>
-          <a:fontRef idx="minor">
-            <a:schemeClr val="lt1"/>
-          </a:fontRef>
-        </p:style>
-        <p:txBody>
-          <a:bodyPr wrap="square" lIns="72000" tIns="108000" rIns="72000" bIns="108000" rtlCol="0" anchor="ctr" anchorCtr="0">
-            <a:noAutofit/>
-          </a:bodyPr>
-          <a:lstStyle/>
-          <a:p>
-            <a:pPr marL="0" marR="0" lvl="0" indent="0" algn="ctr" defTabSz="1219170" rtl="0" eaLnBrk="1" fontAlgn="base" latinLnBrk="0" hangingPunct="1">
-              <a:lnSpc>
-                <a:spcPct val="100000"/>
-              </a:lnSpc>
-              <a:spcBef>
-                <a:spcPct val="0"/>
-              </a:spcBef>
-              <a:spcAft>
-                <a:spcPct val="0"/>
-              </a:spcAft>
-              <a:buClrTx/>
-              <a:buSzTx/>
-              <a:buFontTx/>
-              <a:buNone/>
-              <a:tabLst/>
-              <a:defRPr/>
-            </a:pPr>
-            <a:r>
-              <a:rPr kumimoji="0" lang="fr-FR" sz="1500" b="0" i="0" u="none" strike="noStrike" kern="1200" cap="none" spc="0" normalizeH="0" baseline="0" noProof="0" dirty="0">
-                <a:ln>
-                  <a:noFill/>
-                </a:ln>
-                <a:solidFill>
-                  <a:prstClr val="black"/>
-                </a:solidFill>
-                <a:effectLst/>
-                <a:uLnTx/>
-                <a:uFillTx/>
-                <a:latin typeface="Arial"/>
-                <a:ea typeface="+mn-ea"/>
-                <a:cs typeface="+mn-cs"/>
-              </a:rPr>
-              <a:t>Public-comment</a:t>
-            </a:r>
-          </a:p>
-        </p:txBody>
-      </p:sp>
-      <p:sp>
-        <p:nvSpPr>
           <p:cNvPr id="70" name="ZoneTexte 69">
             <a:extLst>
               <a:ext uri="{FF2B5EF4-FFF2-40B4-BE49-F238E27FC236}">
@@ -10960,84 +10899,6 @@
       </p:sp>
       <p:sp>
         <p:nvSpPr>
-          <p:cNvPr id="6" name="ZoneTexte 5">
-            <a:extLst>
-              <a:ext uri="{FF2B5EF4-FFF2-40B4-BE49-F238E27FC236}">
-                <a16:creationId xmlns:a16="http://schemas.microsoft.com/office/drawing/2014/main" id="{98125ED3-3A90-4D17-80FC-4B70B7975D9F}"/>
-              </a:ext>
-            </a:extLst>
-          </p:cNvPr>
-          <p:cNvSpPr txBox="1"/>
-          <p:nvPr/>
-        </p:nvSpPr>
-        <p:spPr>
-          <a:xfrm>
-            <a:off x="5180077" y="3283444"/>
-            <a:ext cx="824066" cy="381108"/>
-          </a:xfrm>
-          <a:prstGeom prst="rect">
-            <a:avLst/>
-          </a:prstGeom>
-        </p:spPr>
-        <p:style>
-          <a:lnRef idx="3">
-            <a:schemeClr val="lt1"/>
-          </a:lnRef>
-          <a:fillRef idx="1">
-            <a:schemeClr val="accent6"/>
-          </a:fillRef>
-          <a:effectRef idx="1">
-            <a:schemeClr val="accent6"/>
-          </a:effectRef>
-          <a:fontRef idx="minor">
-            <a:schemeClr val="lt1"/>
-          </a:fontRef>
-        </p:style>
-        <p:txBody>
-          <a:bodyPr wrap="none" lIns="72000" tIns="108000" rIns="72000" bIns="108000" rtlCol="0" anchor="ctr" anchorCtr="0">
-            <a:noAutofit/>
-          </a:bodyPr>
-          <a:lstStyle/>
-          <a:p>
-            <a:pPr marL="0" marR="0" lvl="0" indent="0" algn="ctr" defTabSz="914400" rtl="0" eaLnBrk="1" fontAlgn="auto" latinLnBrk="0" hangingPunct="1">
-              <a:lnSpc>
-                <a:spcPct val="100000"/>
-              </a:lnSpc>
-              <a:spcBef>
-                <a:spcPts val="0"/>
-              </a:spcBef>
-              <a:spcAft>
-                <a:spcPts val="0"/>
-              </a:spcAft>
-              <a:buClrTx/>
-              <a:buSzTx/>
-              <a:buFontTx/>
-              <a:buNone/>
-              <a:tabLst/>
-              <a:defRPr/>
-            </a:pPr>
-            <a:r>
-              <a:rPr kumimoji="0" lang="fr-FR" sz="1500" b="0" i="0" u="none" strike="noStrike" kern="1200" cap="none" spc="0" normalizeH="0" baseline="0" noProof="0" dirty="0">
-                <a:ln>
-                  <a:noFill/>
-                </a:ln>
-                <a:solidFill>
-                  <a:prstClr val="white"/>
-                </a:solidFill>
-                <a:effectLst/>
-                <a:uLnTx/>
-                <a:uFillTx/>
-                <a:latin typeface="Arial"/>
-                <a:ea typeface="+mn-ea"/>
-                <a:cs typeface="+mn-cs"/>
-              </a:rPr>
-              <a:t>Draft</a:t>
-            </a:r>
-          </a:p>
-        </p:txBody>
-      </p:sp>
-      <p:sp>
-        <p:nvSpPr>
           <p:cNvPr id="7" name="ZoneTexte 6">
             <a:extLst>
               <a:ext uri="{FF2B5EF4-FFF2-40B4-BE49-F238E27FC236}">
@@ -11173,6 +11034,213 @@
           </a:prstGeom>
         </p:spPr>
       </p:pic>
+      <p:sp>
+        <p:nvSpPr>
+          <p:cNvPr id="2" name="ZoneTexte 1">
+            <a:extLst>
+              <a:ext uri="{FF2B5EF4-FFF2-40B4-BE49-F238E27FC236}">
+                <a16:creationId xmlns:a16="http://schemas.microsoft.com/office/drawing/2014/main" id="{0DD219BA-DFA2-983A-8F8F-264C3484D3DE}"/>
+              </a:ext>
+            </a:extLst>
+          </p:cNvPr>
+          <p:cNvSpPr txBox="1"/>
+          <p:nvPr/>
+        </p:nvSpPr>
+        <p:spPr>
+          <a:xfrm>
+            <a:off x="10095191" y="2580902"/>
+            <a:ext cx="1503872" cy="584510"/>
+          </a:xfrm>
+          <a:prstGeom prst="rect">
+            <a:avLst/>
+          </a:prstGeom>
+        </p:spPr>
+        <p:style>
+          <a:lnRef idx="3">
+            <a:schemeClr val="lt1"/>
+          </a:lnRef>
+          <a:fillRef idx="1">
+            <a:schemeClr val="accent4"/>
+          </a:fillRef>
+          <a:effectRef idx="1">
+            <a:schemeClr val="accent4"/>
+          </a:effectRef>
+          <a:fontRef idx="minor">
+            <a:schemeClr val="lt1"/>
+          </a:fontRef>
+        </p:style>
+        <p:txBody>
+          <a:bodyPr wrap="square" lIns="72000" tIns="108000" rIns="72000" bIns="108000" rtlCol="0" anchor="ctr" anchorCtr="0">
+            <a:noAutofit/>
+          </a:bodyPr>
+          <a:lstStyle/>
+          <a:p>
+            <a:pPr marL="0" marR="0" lvl="0" indent="0" algn="ctr" defTabSz="1219170" rtl="0" eaLnBrk="1" fontAlgn="base" latinLnBrk="0" hangingPunct="1">
+              <a:lnSpc>
+                <a:spcPct val="100000"/>
+              </a:lnSpc>
+              <a:spcBef>
+                <a:spcPct val="0"/>
+              </a:spcBef>
+              <a:spcAft>
+                <a:spcPct val="0"/>
+              </a:spcAft>
+              <a:buClrTx/>
+              <a:buSzTx/>
+              <a:buFontTx/>
+              <a:buNone/>
+              <a:tabLst/>
+              <a:defRPr/>
+            </a:pPr>
+            <a:r>
+              <a:rPr kumimoji="0" lang="fr-FR" sz="1500" b="0" i="0" u="none" strike="noStrike" kern="1200" cap="none" spc="0" normalizeH="0" baseline="0" noProof="0">
+                <a:ln>
+                  <a:noFill/>
+                </a:ln>
+                <a:solidFill>
+                  <a:prstClr val="black"/>
+                </a:solidFill>
+                <a:effectLst/>
+                <a:uLnTx/>
+                <a:uFillTx/>
+                <a:latin typeface="Arial"/>
+                <a:ea typeface="+mn-ea"/>
+                <a:cs typeface="+mn-cs"/>
+              </a:rPr>
+              <a:t>Public-comment</a:t>
+            </a:r>
+          </a:p>
+        </p:txBody>
+      </p:sp>
+      <p:sp>
+        <p:nvSpPr>
+          <p:cNvPr id="4" name="ZoneTexte 3">
+            <a:extLst>
+              <a:ext uri="{FF2B5EF4-FFF2-40B4-BE49-F238E27FC236}">
+                <a16:creationId xmlns:a16="http://schemas.microsoft.com/office/drawing/2014/main" id="{899B3586-D760-0233-553B-B39618428F66}"/>
+              </a:ext>
+            </a:extLst>
+          </p:cNvPr>
+          <p:cNvSpPr txBox="1"/>
+          <p:nvPr/>
+        </p:nvSpPr>
+        <p:spPr>
+          <a:xfrm>
+            <a:off x="5064505" y="4100127"/>
+            <a:ext cx="1461741" cy="381108"/>
+          </a:xfrm>
+          <a:prstGeom prst="rect">
+            <a:avLst/>
+          </a:prstGeom>
+        </p:spPr>
+        <p:style>
+          <a:lnRef idx="3">
+            <a:schemeClr val="lt1"/>
+          </a:lnRef>
+          <a:fillRef idx="1">
+            <a:schemeClr val="accent6"/>
+          </a:fillRef>
+          <a:effectRef idx="1">
+            <a:schemeClr val="accent6"/>
+          </a:effectRef>
+          <a:fontRef idx="minor">
+            <a:schemeClr val="lt1"/>
+          </a:fontRef>
+        </p:style>
+        <p:txBody>
+          <a:bodyPr wrap="none" lIns="72000" tIns="108000" rIns="72000" bIns="108000" rtlCol="0" anchor="ctr" anchorCtr="0">
+            <a:noAutofit/>
+          </a:bodyPr>
+          <a:lstStyle/>
+          <a:p>
+            <a:pPr marL="0" marR="0" lvl="0" indent="0" algn="ctr" defTabSz="914400" rtl="0" eaLnBrk="1" fontAlgn="auto" latinLnBrk="0" hangingPunct="1">
+              <a:lnSpc>
+                <a:spcPct val="100000"/>
+              </a:lnSpc>
+              <a:spcBef>
+                <a:spcPts val="0"/>
+              </a:spcBef>
+              <a:spcAft>
+                <a:spcPts val="0"/>
+              </a:spcAft>
+              <a:buClrTx/>
+              <a:buSzTx/>
+              <a:buFontTx/>
+              <a:buNone/>
+              <a:tabLst/>
+              <a:defRPr/>
+            </a:pPr>
+            <a:r>
+              <a:rPr kumimoji="0" lang="fr-FR" sz="1500" b="0" i="0" u="none" strike="noStrike" kern="1200" cap="none" spc="0" normalizeH="0" baseline="0" noProof="0" dirty="0">
+                <a:ln>
+                  <a:noFill/>
+                </a:ln>
+                <a:solidFill>
+                  <a:prstClr val="white"/>
+                </a:solidFill>
+                <a:effectLst/>
+                <a:uLnTx/>
+                <a:uFillTx/>
+                <a:latin typeface="Arial"/>
+                <a:ea typeface="+mn-ea"/>
+                <a:cs typeface="+mn-cs"/>
+              </a:rPr>
+              <a:t>Draft </a:t>
+            </a:r>
+            <a:r>
+              <a:rPr kumimoji="0" lang="fr-FR" sz="1000" b="0" i="0" u="none" strike="noStrike" kern="1200" cap="none" spc="0" normalizeH="0" baseline="0" noProof="0" dirty="0">
+                <a:ln>
+                  <a:noFill/>
+                </a:ln>
+                <a:solidFill>
+                  <a:prstClr val="white"/>
+                </a:solidFill>
+                <a:effectLst/>
+                <a:uLnTx/>
+                <a:uFillTx/>
+                <a:latin typeface="Arial"/>
+                <a:ea typeface="+mn-ea"/>
+                <a:cs typeface="+mn-cs"/>
+              </a:rPr>
+              <a:t>(</a:t>
+            </a:r>
+            <a:r>
+              <a:rPr kumimoji="0" lang="en-AU" sz="1000" b="0" i="0" u="none" strike="noStrike" kern="1200" cap="none" spc="0" normalizeH="0" baseline="0" dirty="0">
+                <a:ln>
+                  <a:noFill/>
+                </a:ln>
+                <a:solidFill>
+                  <a:prstClr val="white"/>
+                </a:solidFill>
+                <a:effectLst/>
+                <a:uLnTx/>
+                <a:uFillTx/>
+                <a:latin typeface="Arial"/>
+                <a:ea typeface="+mn-ea"/>
+                <a:cs typeface="+mn-cs"/>
+              </a:rPr>
+              <a:t>ci-build</a:t>
+            </a:r>
+            <a:r>
+              <a:rPr kumimoji="0" lang="fr-FR" sz="1000" b="0" i="0" u="none" strike="noStrike" kern="1200" cap="none" spc="0" normalizeH="0" baseline="0" noProof="0" dirty="0">
+                <a:ln>
+                  <a:noFill/>
+                </a:ln>
+                <a:solidFill>
+                  <a:prstClr val="white"/>
+                </a:solidFill>
+                <a:effectLst/>
+                <a:uLnTx/>
+                <a:uFillTx/>
+                <a:latin typeface="Arial"/>
+                <a:ea typeface="+mn-ea"/>
+                <a:cs typeface="+mn-cs"/>
+              </a:rPr>
+              <a:t>)</a:t>
+            </a:r>
+          </a:p>
+        </p:txBody>
+      </p:sp>
     </p:spTree>
     <p:extLst>
       <p:ext uri="{BB962C8B-B14F-4D97-AF65-F5344CB8AC3E}">

--- a/docs/assets/docs/schema-cycle-de-vie.pptx
+++ b/docs/assets/docs/schema-cycle-de-vie.pptx
@@ -10120,7 +10120,7 @@
               <a:defRPr/>
             </a:pPr>
             <a:r>
-              <a:rPr kumimoji="0" lang="fr-FR" sz="1200" b="1" i="0" u="none" strike="noStrike" kern="1200" cap="none" spc="0" normalizeH="0" baseline="0" noProof="0">
+              <a:rPr kumimoji="0" lang="fr-FR" sz="1200" b="1" i="0" u="none" strike="noStrike" kern="1200" cap="none" spc="0" normalizeH="0" baseline="0" noProof="0" dirty="0">
                 <a:ln>
                   <a:noFill/>
                 </a:ln>
@@ -11237,6 +11237,71 @@
                 <a:cs typeface="+mn-cs"/>
               </a:rPr>
               <a:t>)</a:t>
+            </a:r>
+          </a:p>
+        </p:txBody>
+      </p:sp>
+      <p:sp>
+        <p:nvSpPr>
+          <p:cNvPr id="8" name="ZoneTexte 7">
+            <a:extLst>
+              <a:ext uri="{FF2B5EF4-FFF2-40B4-BE49-F238E27FC236}">
+                <a16:creationId xmlns:a16="http://schemas.microsoft.com/office/drawing/2014/main" id="{1F4CA1EA-1088-3760-30D4-65C9D54381B0}"/>
+              </a:ext>
+            </a:extLst>
+          </p:cNvPr>
+          <p:cNvSpPr txBox="1"/>
+          <p:nvPr/>
+        </p:nvSpPr>
+        <p:spPr>
+          <a:xfrm>
+            <a:off x="10683585" y="6114212"/>
+            <a:ext cx="1448878" cy="439490"/>
+          </a:xfrm>
+          <a:prstGeom prst="rect">
+            <a:avLst/>
+          </a:prstGeom>
+          <a:noFill/>
+        </p:spPr>
+        <p:txBody>
+          <a:bodyPr wrap="square" lIns="72000" tIns="108000" rIns="72000" bIns="108000" rtlCol="0" anchor="ctr" anchorCtr="0">
+            <a:noAutofit/>
+          </a:bodyPr>
+          <a:lstStyle/>
+          <a:p>
+            <a:pPr marL="0" marR="0" lvl="0" indent="0" algn="l" defTabSz="1219170" rtl="0" eaLnBrk="1" fontAlgn="base" latinLnBrk="0" hangingPunct="1">
+              <a:lnSpc>
+                <a:spcPct val="100000"/>
+              </a:lnSpc>
+              <a:spcBef>
+                <a:spcPct val="0"/>
+              </a:spcBef>
+              <a:spcAft>
+                <a:spcPct val="0"/>
+              </a:spcAft>
+              <a:buClrTx/>
+              <a:buSzTx/>
+              <a:buFontTx/>
+              <a:buNone/>
+              <a:tabLst/>
+              <a:defRPr/>
+            </a:pPr>
+            <a:r>
+              <a:rPr kumimoji="0" lang="fr-FR" sz="1200" i="1" u="none" strike="noStrike" kern="1200" cap="none" spc="0" normalizeH="0" baseline="0" noProof="0" dirty="0">
+                <a:ln>
+                  <a:noFill/>
+                </a:ln>
+                <a:solidFill>
+                  <a:prstClr val="black"/>
+                </a:solidFill>
+                <a:effectLst/>
+                <a:uLnTx/>
+                <a:uFillTx/>
+                <a:latin typeface="Arial"/>
+                <a:ea typeface="+mn-ea"/>
+                <a:cs typeface="+mn-cs"/>
+              </a:rPr>
+              <a:t>n : correspond à chaque itération du cycle</a:t>
             </a:r>
           </a:p>
         </p:txBody>
